--- a/Document/presentation.pptx
+++ b/Document/presentation.pptx
@@ -24,25 +24,25 @@
   <p:notesSz cx="6858000" cy="9144000"/>
   <p:embeddedFontLst>
     <p:embeddedFont>
-      <p:font typeface="Raleway Thin" charset="0"/>
+      <p:font typeface="HYWenHei-85W" panose="00020600040101010101" pitchFamily="18" charset="-128"/>
       <p:regular r:id="rId14"/>
-      <p:bold r:id="rId15"/>
-      <p:italic r:id="rId16"/>
-      <p:boldItalic r:id="rId17"/>
     </p:embeddedFont>
     <p:embeddedFont>
-      <p:font typeface="HYWenHei-85W" panose="00020600040101010101" pitchFamily="18" charset="-128"/>
-      <p:regular r:id="rId18"/>
+      <p:font typeface="Raleway Thin" charset="0"/>
+      <p:regular r:id="rId15"/>
+      <p:bold r:id="rId16"/>
+      <p:italic r:id="rId17"/>
+      <p:boldItalic r:id="rId18"/>
     </p:embeddedFont>
     <p:embeddedFont>
-      <p:font typeface="Calibri" panose="020F0502020204030204" pitchFamily="34" charset="0"/>
+      <p:font typeface="Barlow Light" panose="020B0604020202020204" charset="0"/>
       <p:regular r:id="rId19"/>
       <p:bold r:id="rId20"/>
       <p:italic r:id="rId21"/>
       <p:boldItalic r:id="rId22"/>
     </p:embeddedFont>
     <p:embeddedFont>
-      <p:font typeface="Barlow Light" panose="020B0604020202020204" charset="0"/>
+      <p:font typeface="Calibri" panose="020F0502020204030204" pitchFamily="34" charset="0"/>
       <p:regular r:id="rId23"/>
       <p:bold r:id="rId24"/>
       <p:italic r:id="rId25"/>
@@ -4877,7 +4877,7 @@
         <p:spPr>
           <a:xfrm>
             <a:off x="371474" y="1003790"/>
-            <a:ext cx="8182223" cy="3746347"/>
+            <a:ext cx="8182223" cy="2862322"/>
           </a:xfrm>
           <a:prstGeom prst="rect">
             <a:avLst/>
@@ -4898,6 +4898,17 @@
               <a:buChar char="•"/>
             </a:pPr>
             <a:r>
+              <a:rPr lang="vi-VN" sz="2000" dirty="0" smtClean="0">
+                <a:solidFill>
+                  <a:schemeClr val="tx1"/>
+                </a:solidFill>
+                <a:latin typeface="HYWenHei-85W" panose="00020600040101010101" pitchFamily="18" charset="-128"/>
+                <a:ea typeface="HYWenHei-85W" panose="00020600040101010101" pitchFamily="18" charset="-128"/>
+                <a:cs typeface="HYWenHei-85W" panose="00020600040101010101" pitchFamily="18" charset="-128"/>
+              </a:rPr>
+              <a:t>Cải </a:t>
+            </a:r>
+            <a:r>
               <a:rPr lang="vi-VN" sz="2000" dirty="0">
                 <a:solidFill>
                   <a:schemeClr val="tx1"/>
@@ -4906,7 +4917,7 @@
                 <a:ea typeface="HYWenHei-85W" panose="00020600040101010101" pitchFamily="18" charset="-128"/>
                 <a:cs typeface="HYWenHei-85W" panose="00020600040101010101" pitchFamily="18" charset="-128"/>
               </a:rPr>
-              <a:t>Cải thiện tốc độ phản hồi của ứng dụng trên mọi thao tác của người dùng.</a:t>
+              <a:t>thiện giao diện ứng dụng trở nên đơn giản và đẹp, trực quan, dễ sử dụng hơn.</a:t>
             </a:r>
           </a:p>
           <a:p>
@@ -4926,19 +4937,10 @@
                 <a:ea typeface="HYWenHei-85W" panose="00020600040101010101" pitchFamily="18" charset="-128"/>
                 <a:cs typeface="HYWenHei-85W" panose="00020600040101010101" pitchFamily="18" charset="-128"/>
               </a:rPr>
-              <a:t>Cải thiện giao diện ứng dụng trở nên đơn giản và đẹp, trực quan, dễ sử dụng hơn.</a:t>
+              <a:t>Xây dựng thêm phiên bản miễn phí và trả phí cho ứng </a:t>
             </a:r>
-          </a:p>
-          <a:p>
-            <a:pPr marL="342900" indent="-342900" algn="just">
-              <a:lnSpc>
-                <a:spcPct val="150000"/>
-              </a:lnSpc>
-              <a:buFont typeface="Arial" panose="020B0604020202020204" pitchFamily="34" charset="0"/>
-              <a:buChar char="•"/>
-            </a:pPr>
             <a:r>
-              <a:rPr lang="vi-VN" sz="2000" dirty="0">
+              <a:rPr lang="vi-VN" sz="2000" dirty="0" smtClean="0">
                 <a:solidFill>
                   <a:schemeClr val="tx1"/>
                 </a:solidFill>
@@ -4946,8 +4948,27 @@
                 <a:ea typeface="HYWenHei-85W" panose="00020600040101010101" pitchFamily="18" charset="-128"/>
                 <a:cs typeface="HYWenHei-85W" panose="00020600040101010101" pitchFamily="18" charset="-128"/>
               </a:rPr>
-              <a:t>Xây dựng thêm phiên bản miễn phí và trả phí cho ứng dụng</a:t>
+              <a:t>dụng</a:t>
             </a:r>
+            <a:r>
+              <a:rPr lang="en-US" sz="2000" smtClean="0">
+                <a:solidFill>
+                  <a:schemeClr val="tx1"/>
+                </a:solidFill>
+                <a:latin typeface="HYWenHei-85W" panose="00020600040101010101" pitchFamily="18" charset="-128"/>
+                <a:ea typeface="HYWenHei-85W" panose="00020600040101010101" pitchFamily="18" charset="-128"/>
+                <a:cs typeface="HYWenHei-85W" panose="00020600040101010101" pitchFamily="18" charset="-128"/>
+              </a:rPr>
+              <a:t>.</a:t>
+            </a:r>
+            <a:endParaRPr lang="vi-VN" sz="2000" dirty="0">
+              <a:solidFill>
+                <a:schemeClr val="tx1"/>
+              </a:solidFill>
+              <a:latin typeface="HYWenHei-85W" panose="00020600040101010101" pitchFamily="18" charset="-128"/>
+              <a:ea typeface="HYWenHei-85W" panose="00020600040101010101" pitchFamily="18" charset="-128"/>
+              <a:cs typeface="HYWenHei-85W" panose="00020600040101010101" pitchFamily="18" charset="-128"/>
+            </a:endParaRPr>
           </a:p>
           <a:p>
             <a:pPr marL="342900" indent="-342900" algn="just">
